--- a/Mikael_Zammit_MSD6.2B_Viva_Presentation.pptx
+++ b/Mikael_Zammit_MSD6.2B_Viva_Presentation.pptx
@@ -23615,7 +23615,7 @@
           <a:p>
             <a:pPr lvl="0"/>
             <a:r>
-              <a:rPr lang="en-US" sz="3733" b="1" dirty="0">
+              <a:rPr lang="en-US" sz="3733" b="1">
                 <a:solidFill>
                   <a:srgbClr val="000000"/>
                 </a:solidFill>
@@ -23624,7 +23624,7 @@
               <a:t>Using a Gaze Tracking System to Analyze Various</a:t>
             </a:r>
             <a:br>
-              <a:rPr lang="en-US" sz="3733" b="1" dirty="0">
+              <a:rPr lang="en-US" sz="3733" b="1">
                 <a:solidFill>
                   <a:srgbClr val="000000"/>
                 </a:solidFill>
@@ -23632,7 +23632,7 @@
               </a:rPr>
             </a:br>
             <a:r>
-              <a:rPr lang="en-US" sz="3733" b="1" dirty="0">
+              <a:rPr lang="en-US" sz="3733" b="1">
                 <a:solidFill>
                   <a:srgbClr val="000000"/>
                 </a:solidFill>
@@ -23641,13 +23641,13 @@
               <a:t>Paces of Computer Games</a:t>
             </a:r>
             <a:r>
-              <a:rPr lang="en-US" sz="3200" b="1" dirty="0">
+              <a:rPr lang="en-US" sz="3200" b="1">
                 <a:latin typeface="Raleway" pitchFamily="2" charset="0"/>
               </a:rPr>
               <a:t> </a:t>
             </a:r>
             <a:br>
-              <a:rPr lang="en-US" sz="3200" b="1" dirty="0">
+              <a:rPr lang="en-US" sz="3200" b="1">
                 <a:latin typeface="Raleway" pitchFamily="2" charset="0"/>
               </a:rPr>
             </a:br>
@@ -25851,7 +25851,15 @@
             </a:br>
             <a:r>
               <a:rPr lang="en-US" sz="2667" dirty="0"/>
-              <a:t>Mikael Zammit, Daren Scerri</a:t>
+              <a:t>Mikael Zammit, Dr Mario </a:t>
+            </a:r>
+            <a:r>
+              <a:rPr lang="en-US" sz="2667" dirty="0" err="1"/>
+              <a:t>Mallia</a:t>
+            </a:r>
+            <a:r>
+              <a:rPr lang="en-US" sz="2667" dirty="0"/>
+              <a:t>-Scerri</a:t>
             </a:r>
             <a:endParaRPr lang="en-US" dirty="0"/>
           </a:p>
